--- a/Security/AfterMidTerm/Lec 1 - Intro & Operators.pptx
+++ b/Security/AfterMidTerm/Lec 1 - Intro & Operators.pptx
@@ -644,7 +644,7 @@
             <a:fld id="{296A672F-1EA9-42BD-84E7-F15C6F6B1A5D}" type="datetimeFigureOut">
               <a:rPr lang="en-US" smtClean="0"/>
               <a:pPr/>
-              <a:t>18-Feb-23</a:t>
+              <a:t>5/22/23</a:t>
             </a:fld>
             <a:endParaRPr lang="en-US"/>
           </a:p>
@@ -1583,7 +1583,7 @@
             <a:fld id="{1D8BD707-D9CF-40AE-B4C6-C98DA3205C09}" type="datetimeFigureOut">
               <a:rPr lang="en-US" smtClean="0"/>
               <a:pPr/>
-              <a:t>18-Feb-23</a:t>
+              <a:t>5/22/23</a:t>
             </a:fld>
             <a:endParaRPr lang="en-US"/>
           </a:p>
@@ -1774,7 +1774,7 @@
             <a:fld id="{1D8BD707-D9CF-40AE-B4C6-C98DA3205C09}" type="datetimeFigureOut">
               <a:rPr lang="en-US" smtClean="0"/>
               <a:pPr/>
-              <a:t>18-Feb-23</a:t>
+              <a:t>5/22/23</a:t>
             </a:fld>
             <a:endParaRPr lang="en-US"/>
           </a:p>
@@ -1950,7 +1950,7 @@
             <a:fld id="{1D8BD707-D9CF-40AE-B4C6-C98DA3205C09}" type="datetimeFigureOut">
               <a:rPr lang="en-US" smtClean="0"/>
               <a:pPr/>
-              <a:t>18-Feb-23</a:t>
+              <a:t>5/22/23</a:t>
             </a:fld>
             <a:endParaRPr lang="en-US"/>
           </a:p>
@@ -2094,7 +2094,7 @@
             <a:fld id="{1D8BD707-D9CF-40AE-B4C6-C98DA3205C09}" type="datetimeFigureOut">
               <a:rPr lang="en-US" smtClean="0"/>
               <a:pPr/>
-              <a:t>18-Feb-23</a:t>
+              <a:t>5/22/23</a:t>
             </a:fld>
             <a:endParaRPr lang="en-US"/>
           </a:p>
@@ -2341,7 +2341,7 @@
             <a:fld id="{1D8BD707-D9CF-40AE-B4C6-C98DA3205C09}" type="datetimeFigureOut">
               <a:rPr lang="en-US" smtClean="0"/>
               <a:pPr/>
-              <a:t>18-Feb-23</a:t>
+              <a:t>5/22/23</a:t>
             </a:fld>
             <a:endParaRPr lang="en-US"/>
           </a:p>
@@ -2742,7 +2742,7 @@
             <a:fld id="{1D8BD707-D9CF-40AE-B4C6-C98DA3205C09}" type="datetimeFigureOut">
               <a:rPr lang="en-US" smtClean="0"/>
               <a:pPr/>
-              <a:t>18-Feb-23</a:t>
+              <a:t>5/22/23</a:t>
             </a:fld>
             <a:endParaRPr lang="en-US"/>
           </a:p>
@@ -3180,7 +3180,7 @@
             <a:fld id="{1D8BD707-D9CF-40AE-B4C6-C98DA3205C09}" type="datetimeFigureOut">
               <a:rPr lang="en-US" smtClean="0"/>
               <a:pPr/>
-              <a:t>18-Feb-23</a:t>
+              <a:t>5/22/23</a:t>
             </a:fld>
             <a:endParaRPr lang="en-US"/>
           </a:p>
@@ -3277,7 +3277,7 @@
             <a:fld id="{1D8BD707-D9CF-40AE-B4C6-C98DA3205C09}" type="datetimeFigureOut">
               <a:rPr lang="en-US" smtClean="0"/>
               <a:pPr/>
-              <a:t>18-Feb-23</a:t>
+              <a:t>5/22/23</a:t>
             </a:fld>
             <a:endParaRPr lang="en-US"/>
           </a:p>
@@ -3391,7 +3391,7 @@
             <a:fld id="{1D8BD707-D9CF-40AE-B4C6-C98DA3205C09}" type="datetimeFigureOut">
               <a:rPr lang="en-US" smtClean="0"/>
               <a:pPr/>
-              <a:t>18-Feb-23</a:t>
+              <a:t>5/22/23</a:t>
             </a:fld>
             <a:endParaRPr lang="en-US"/>
           </a:p>
@@ -3660,7 +3660,7 @@
             <a:fld id="{1D8BD707-D9CF-40AE-B4C6-C98DA3205C09}" type="datetimeFigureOut">
               <a:rPr lang="en-US" smtClean="0"/>
               <a:pPr/>
-              <a:t>18-Feb-23</a:t>
+              <a:t>5/22/23</a:t>
             </a:fld>
             <a:endParaRPr lang="en-US"/>
           </a:p>
@@ -3863,7 +3863,7 @@
             <a:fld id="{1D8BD707-D9CF-40AE-B4C6-C98DA3205C09}" type="datetimeFigureOut">
               <a:rPr lang="en-US" smtClean="0"/>
               <a:pPr/>
-              <a:t>18-Feb-23</a:t>
+              <a:t>5/22/23</a:t>
             </a:fld>
             <a:endParaRPr lang="en-US"/>
           </a:p>
@@ -4951,7 +4951,7 @@
             <a:fld id="{1D8BD707-D9CF-40AE-B4C6-C98DA3205C09}" type="datetimeFigureOut">
               <a:rPr lang="en-US" smtClean="0"/>
               <a:pPr/>
-              <a:t>18-Feb-23</a:t>
+              <a:t>5/22/23</a:t>
             </a:fld>
             <a:endParaRPr lang="en-US"/>
           </a:p>
@@ -18353,7 +18353,7 @@
                         </a:spcAft>
                       </a:pPr>
                       <a:r>
-                        <a:rPr lang="en-US" sz="2300">
+                        <a:rPr lang="en-US" sz="2300" dirty="0">
                           <a:solidFill>
                             <a:srgbClr val="000000"/>
                           </a:solidFill>
@@ -18363,7 +18363,7 @@
                         </a:rPr>
                         <a:t>101</a:t>
                       </a:r>
-                      <a:endParaRPr lang="en-US" sz="2300">
+                      <a:endParaRPr lang="en-US" sz="2300" dirty="0">
                         <a:latin typeface="Calibri"/>
                         <a:ea typeface="Times New Roman"/>
                         <a:cs typeface="Arial"/>
@@ -18513,7 +18513,7 @@
                         </a:spcAft>
                       </a:pPr>
                       <a:r>
-                        <a:rPr lang="en-US" sz="2300">
+                        <a:rPr lang="en-US" sz="2300" dirty="0">
                           <a:solidFill>
                             <a:srgbClr val="000000"/>
                           </a:solidFill>
@@ -18523,7 +18523,7 @@
                         </a:rPr>
                         <a:t>110 0110</a:t>
                       </a:r>
-                      <a:endParaRPr lang="en-US" sz="2300">
+                      <a:endParaRPr lang="en-US" sz="2300" dirty="0">
                         <a:latin typeface="Calibri"/>
                         <a:ea typeface="Times New Roman"/>
                         <a:cs typeface="Arial"/>
@@ -18825,7 +18825,7 @@
                         </a:spcAft>
                       </a:pPr>
                       <a:r>
-                        <a:rPr lang="en-US" sz="2300">
+                        <a:rPr lang="en-US" sz="2300" dirty="0">
                           <a:solidFill>
                             <a:srgbClr val="000000"/>
                           </a:solidFill>
@@ -18835,7 +18835,7 @@
                         </a:rPr>
                         <a:t>103</a:t>
                       </a:r>
-                      <a:endParaRPr lang="en-US" sz="2300">
+                      <a:endParaRPr lang="en-US" sz="2300" dirty="0">
                         <a:latin typeface="Calibri"/>
                         <a:ea typeface="Times New Roman"/>
                         <a:cs typeface="Arial"/>
@@ -32000,35 +32000,7 @@
                 <a:ea typeface="+mj-ea"/>
                 <a:cs typeface="+mj-cs"/>
               </a:rPr>
-              <a:t>            </a:t>
-            </a:r>
-            <a:r>
-              <a:rPr kumimoji="0" lang="en-US" sz="3200" b="1" i="0" u="none" strike="noStrike" kern="1200" cap="none" spc="0" normalizeH="0" noProof="0" dirty="0" err="1">
-                <a:ln>
-                  <a:noFill/>
-                </a:ln>
-                <a:effectLst/>
-                <a:uLnTx/>
-                <a:uFillTx/>
-                <a:latin typeface="+mj-lt"/>
-                <a:ea typeface="+mj-ea"/>
-                <a:cs typeface="+mj-cs"/>
-              </a:rPr>
-              <a:t>vs</a:t>
-            </a:r>
-            <a:r>
-              <a:rPr kumimoji="0" lang="en-US" sz="3200" b="1" i="0" u="none" strike="noStrike" kern="1200" cap="none" spc="0" normalizeH="0" noProof="0" dirty="0">
-                <a:ln>
-                  <a:noFill/>
-                </a:ln>
-                <a:effectLst/>
-                <a:uLnTx/>
-                <a:uFillTx/>
-                <a:latin typeface="+mj-lt"/>
-                <a:ea typeface="+mj-ea"/>
-                <a:cs typeface="+mj-cs"/>
-              </a:rPr>
-              <a:t>          Active Attack</a:t>
+              <a:t>      vs          Active Attack</a:t>
             </a:r>
             <a:endParaRPr kumimoji="0" lang="en-US" sz="3200" b="0" i="0" u="none" strike="noStrike" kern="1200" cap="none" spc="0" normalizeH="0" baseline="0" noProof="0" dirty="0">
               <a:ln>
@@ -32610,10 +32582,7 @@
             <a:r>
               <a:rPr lang="en-US" sz="1600" dirty="0">
                 <a:solidFill>
-                  <a:schemeClr val="accent1">
-                    <a:lumMod val="20000"/>
-                    <a:lumOff val="80000"/>
-                  </a:schemeClr>
+                  <a:srgbClr val="FF0000"/>
                 </a:solidFill>
               </a:rPr>
               <a:t>Decryption algorithm</a:t>
